--- a/pdfs/Mitogenome_intro.pptx
+++ b/pdfs/Mitogenome_intro.pptx
@@ -210,7 +210,7 @@
           <a:p>
             <a:fld id="{728F4EA5-F469-D24D-881B-EE7F49D3AF4F}" type="datetimeFigureOut">
               <a:rPr lang="en-US" smtClean="0"/>
-              <a:t>9/12/25</a:t>
+              <a:t>9/16/25</a:t>
             </a:fld>
             <a:endParaRPr lang="en-US"/>
           </a:p>
@@ -624,7 +624,7 @@
           <a:p>
             <a:fld id="{3527CB75-2F4B-4249-958A-39262645D886}" type="datetimeFigureOut">
               <a:rPr lang="en-US" smtClean="0"/>
-              <a:t>9/12/25</a:t>
+              <a:t>9/16/25</a:t>
             </a:fld>
             <a:endParaRPr lang="en-US"/>
           </a:p>
@@ -822,7 +822,7 @@
           <a:p>
             <a:fld id="{3527CB75-2F4B-4249-958A-39262645D886}" type="datetimeFigureOut">
               <a:rPr lang="en-US" smtClean="0"/>
-              <a:t>9/12/25</a:t>
+              <a:t>9/16/25</a:t>
             </a:fld>
             <a:endParaRPr lang="en-US"/>
           </a:p>
@@ -1030,7 +1030,7 @@
           <a:p>
             <a:fld id="{3527CB75-2F4B-4249-958A-39262645D886}" type="datetimeFigureOut">
               <a:rPr lang="en-US" smtClean="0"/>
-              <a:t>9/12/25</a:t>
+              <a:t>9/16/25</a:t>
             </a:fld>
             <a:endParaRPr lang="en-US"/>
           </a:p>
@@ -1228,7 +1228,7 @@
           <a:p>
             <a:fld id="{3527CB75-2F4B-4249-958A-39262645D886}" type="datetimeFigureOut">
               <a:rPr lang="en-US" smtClean="0"/>
-              <a:t>9/12/25</a:t>
+              <a:t>9/16/25</a:t>
             </a:fld>
             <a:endParaRPr lang="en-US"/>
           </a:p>
@@ -1503,7 +1503,7 @@
           <a:p>
             <a:fld id="{3527CB75-2F4B-4249-958A-39262645D886}" type="datetimeFigureOut">
               <a:rPr lang="en-US" smtClean="0"/>
-              <a:t>9/12/25</a:t>
+              <a:t>9/16/25</a:t>
             </a:fld>
             <a:endParaRPr lang="en-US"/>
           </a:p>
@@ -1768,7 +1768,7 @@
           <a:p>
             <a:fld id="{3527CB75-2F4B-4249-958A-39262645D886}" type="datetimeFigureOut">
               <a:rPr lang="en-US" smtClean="0"/>
-              <a:t>9/12/25</a:t>
+              <a:t>9/16/25</a:t>
             </a:fld>
             <a:endParaRPr lang="en-US"/>
           </a:p>
@@ -2180,7 +2180,7 @@
           <a:p>
             <a:fld id="{3527CB75-2F4B-4249-958A-39262645D886}" type="datetimeFigureOut">
               <a:rPr lang="en-US" smtClean="0"/>
-              <a:t>9/12/25</a:t>
+              <a:t>9/16/25</a:t>
             </a:fld>
             <a:endParaRPr lang="en-US"/>
           </a:p>
@@ -2321,7 +2321,7 @@
           <a:p>
             <a:fld id="{3527CB75-2F4B-4249-958A-39262645D886}" type="datetimeFigureOut">
               <a:rPr lang="en-US" smtClean="0"/>
-              <a:t>9/12/25</a:t>
+              <a:t>9/16/25</a:t>
             </a:fld>
             <a:endParaRPr lang="en-US"/>
           </a:p>
@@ -2434,7 +2434,7 @@
           <a:p>
             <a:fld id="{3527CB75-2F4B-4249-958A-39262645D886}" type="datetimeFigureOut">
               <a:rPr lang="en-US" smtClean="0"/>
-              <a:t>9/12/25</a:t>
+              <a:t>9/16/25</a:t>
             </a:fld>
             <a:endParaRPr lang="en-US"/>
           </a:p>
@@ -2745,7 +2745,7 @@
           <a:p>
             <a:fld id="{3527CB75-2F4B-4249-958A-39262645D886}" type="datetimeFigureOut">
               <a:rPr lang="en-US" smtClean="0"/>
-              <a:t>9/12/25</a:t>
+              <a:t>9/16/25</a:t>
             </a:fld>
             <a:endParaRPr lang="en-US"/>
           </a:p>
@@ -3033,7 +3033,7 @@
           <a:p>
             <a:fld id="{3527CB75-2F4B-4249-958A-39262645D886}" type="datetimeFigureOut">
               <a:rPr lang="en-US" smtClean="0"/>
-              <a:t>9/12/25</a:t>
+              <a:t>9/16/25</a:t>
             </a:fld>
             <a:endParaRPr lang="en-US"/>
           </a:p>
@@ -3274,7 +3274,7 @@
           <a:p>
             <a:fld id="{3527CB75-2F4B-4249-958A-39262645D886}" type="datetimeFigureOut">
               <a:rPr lang="en-US" smtClean="0"/>
-              <a:t>9/12/25</a:t>
+              <a:t>9/16/25</a:t>
             </a:fld>
             <a:endParaRPr lang="en-US"/>
           </a:p>
@@ -3875,14 +3875,14 @@
           <a:p>
             <a:r>
               <a:rPr lang="en-US" dirty="0"/>
-              <a:t>Need to filter Illumina reads to remove</a:t>
+              <a:t>Filter sequence data to remove</a:t>
             </a:r>
           </a:p>
           <a:p>
             <a:pPr lvl="1"/>
             <a:r>
               <a:rPr lang="en-US" dirty="0"/>
-              <a:t>Multiplexing indexes</a:t>
+              <a:t>Multiplexing indexes/barcodes</a:t>
             </a:r>
           </a:p>
           <a:p>
@@ -4700,7 +4700,7 @@
           <a:p>
             <a:r>
               <a:rPr lang="en-US" dirty="0"/>
-              <a:t>To my knowledge, there is no software designed for manual curation of mitochondrial genome annotations</a:t>
+              <a:t>To my knowledge, there is no software designed specifically for manual curation of mitochondrial genome annotations</a:t>
             </a:r>
           </a:p>
         </p:txBody>
@@ -5041,6 +5041,13 @@
               <a:t>A singe problematic sample may lead to rejection of the entire submission batch</a:t>
             </a:r>
           </a:p>
+          <a:p>
+            <a:pPr lvl="1"/>
+            <a:r>
+              <a:rPr lang="en-US" dirty="0"/>
+              <a:t>Often becomes an iterative process of correcting errors and resubmitting</a:t>
+            </a:r>
+          </a:p>
         </p:txBody>
       </p:sp>
       <p:sp>
@@ -5327,6 +5334,7 @@
           <a:bodyPr/>
           <a:lstStyle/>
           <a:p>
+            <a:pPr algn="ctr"/>
             <a:r>
               <a:rPr lang="en-US" dirty="0"/>
               <a:t>What is a mitochondrial genome?</a:t>
@@ -5962,7 +5970,7 @@
             <a:pPr algn="ctr"/>
             <a:r>
               <a:rPr lang="en-US" dirty="0"/>
-              <a:t>The rise of eDNA metabarcoding makes mitochondrial reference libraries more important than ever before </a:t>
+              <a:t>The rise of eDNA metabarcoding makes mitochondrial reference libraries more important than ever</a:t>
             </a:r>
           </a:p>
         </p:txBody>
